--- a/a2/SmartCity.pptx
+++ b/a2/SmartCity.pptx
@@ -104,6 +104,11 @@
       </a:defRPr>
     </a:lvl9pPr>
   </p:defaultTextStyle>
+  <p:extLst>
+    <p:ext uri="{EFAFB233-063F-42B5-8137-9DF3F51BA10A}">
+      <p15:sldGuideLst xmlns:p15="http://schemas.microsoft.com/office/powerpoint/2012/main"/>
+    </p:ext>
+  </p:extLst>
 </p:presentation>
 </file>
 
@@ -254,7 +259,7 @@
           <a:p>
             <a:fld id="{CEBF95D6-8242-E84C-B14E-6888D2A965FC}" type="datetimeFigureOut">
               <a:rPr lang="en-US" smtClean="0"/>
-              <a:t>9/19/20</a:t>
+              <a:t>10/3/20</a:t>
             </a:fld>
             <a:endParaRPr lang="en-US"/>
           </a:p>
@@ -452,7 +457,7 @@
           <a:p>
             <a:fld id="{CEBF95D6-8242-E84C-B14E-6888D2A965FC}" type="datetimeFigureOut">
               <a:rPr lang="en-US" smtClean="0"/>
-              <a:t>9/19/20</a:t>
+              <a:t>10/3/20</a:t>
             </a:fld>
             <a:endParaRPr lang="en-US"/>
           </a:p>
@@ -660,7 +665,7 @@
           <a:p>
             <a:fld id="{CEBF95D6-8242-E84C-B14E-6888D2A965FC}" type="datetimeFigureOut">
               <a:rPr lang="en-US" smtClean="0"/>
-              <a:t>9/19/20</a:t>
+              <a:t>10/3/20</a:t>
             </a:fld>
             <a:endParaRPr lang="en-US"/>
           </a:p>
@@ -858,7 +863,7 @@
           <a:p>
             <a:fld id="{CEBF95D6-8242-E84C-B14E-6888D2A965FC}" type="datetimeFigureOut">
               <a:rPr lang="en-US" smtClean="0"/>
-              <a:t>9/19/20</a:t>
+              <a:t>10/3/20</a:t>
             </a:fld>
             <a:endParaRPr lang="en-US"/>
           </a:p>
@@ -1133,7 +1138,7 @@
           <a:p>
             <a:fld id="{CEBF95D6-8242-E84C-B14E-6888D2A965FC}" type="datetimeFigureOut">
               <a:rPr lang="en-US" smtClean="0"/>
-              <a:t>9/19/20</a:t>
+              <a:t>10/3/20</a:t>
             </a:fld>
             <a:endParaRPr lang="en-US"/>
           </a:p>
@@ -1398,7 +1403,7 @@
           <a:p>
             <a:fld id="{CEBF95D6-8242-E84C-B14E-6888D2A965FC}" type="datetimeFigureOut">
               <a:rPr lang="en-US" smtClean="0"/>
-              <a:t>9/19/20</a:t>
+              <a:t>10/3/20</a:t>
             </a:fld>
             <a:endParaRPr lang="en-US"/>
           </a:p>
@@ -1810,7 +1815,7 @@
           <a:p>
             <a:fld id="{CEBF95D6-8242-E84C-B14E-6888D2A965FC}" type="datetimeFigureOut">
               <a:rPr lang="en-US" smtClean="0"/>
-              <a:t>9/19/20</a:t>
+              <a:t>10/3/20</a:t>
             </a:fld>
             <a:endParaRPr lang="en-US"/>
           </a:p>
@@ -1951,7 +1956,7 @@
           <a:p>
             <a:fld id="{CEBF95D6-8242-E84C-B14E-6888D2A965FC}" type="datetimeFigureOut">
               <a:rPr lang="en-US" smtClean="0"/>
-              <a:t>9/19/20</a:t>
+              <a:t>10/3/20</a:t>
             </a:fld>
             <a:endParaRPr lang="en-US"/>
           </a:p>
@@ -2064,7 +2069,7 @@
           <a:p>
             <a:fld id="{CEBF95D6-8242-E84C-B14E-6888D2A965FC}" type="datetimeFigureOut">
               <a:rPr lang="en-US" smtClean="0"/>
-              <a:t>9/19/20</a:t>
+              <a:t>10/3/20</a:t>
             </a:fld>
             <a:endParaRPr lang="en-US"/>
           </a:p>
@@ -2375,7 +2380,7 @@
           <a:p>
             <a:fld id="{CEBF95D6-8242-E84C-B14E-6888D2A965FC}" type="datetimeFigureOut">
               <a:rPr lang="en-US" smtClean="0"/>
-              <a:t>9/19/20</a:t>
+              <a:t>10/3/20</a:t>
             </a:fld>
             <a:endParaRPr lang="en-US"/>
           </a:p>
@@ -2663,7 +2668,7 @@
           <a:p>
             <a:fld id="{CEBF95D6-8242-E84C-B14E-6888D2A965FC}" type="datetimeFigureOut">
               <a:rPr lang="en-US" smtClean="0"/>
-              <a:t>9/19/20</a:t>
+              <a:t>10/3/20</a:t>
             </a:fld>
             <a:endParaRPr lang="en-US"/>
           </a:p>
@@ -2904,7 +2909,7 @@
           <a:p>
             <a:fld id="{CEBF95D6-8242-E84C-B14E-6888D2A965FC}" type="datetimeFigureOut">
               <a:rPr lang="en-US" smtClean="0"/>
-              <a:t>9/19/20</a:t>
+              <a:t>10/3/20</a:t>
             </a:fld>
             <a:endParaRPr lang="en-US"/>
           </a:p>
@@ -3733,6 +3738,53 @@
           </p:style>
         </p:cxnSp>
       </p:grpSp>
+      <p:pic>
+        <p:nvPicPr>
+          <p:cNvPr id="1026" name="Picture 2" descr="https://lh3.googleusercontent.com/H4D_9PnWdGj3nlPsrQQqRJJZbY2f5jNedZWkmstNunhtHiFeb9p9iHsn4jHr5nCuwqk_yWg_hNtyNQVYZJbgLGFpC-kZhYl5ON6w5oeOHQiB7xUlIg1eZiMflpOFFjFyWBJn9HWk">
+            <a:extLst>
+              <a:ext uri="{FF2B5EF4-FFF2-40B4-BE49-F238E27FC236}">
+                <a16:creationId xmlns:a16="http://schemas.microsoft.com/office/drawing/2014/main" id="{6561F4F3-513C-2C43-9E0C-EA085D063E51}"/>
+              </a:ext>
+            </a:extLst>
+          </p:cNvPr>
+          <p:cNvPicPr>
+            <a:picLocks noChangeAspect="1" noChangeArrowheads="1"/>
+          </p:cNvPicPr>
+          <p:nvPr/>
+        </p:nvPicPr>
+        <p:blipFill>
+          <a:blip r:embed="rId3">
+            <a:extLst>
+              <a:ext uri="{28A0092B-C50C-407E-A947-70E740481C1C}">
+                <a14:useLocalDpi xmlns:a14="http://schemas.microsoft.com/office/drawing/2010/main" val="0"/>
+              </a:ext>
+            </a:extLst>
+          </a:blip>
+          <a:srcRect/>
+          <a:stretch>
+            <a:fillRect/>
+          </a:stretch>
+        </p:blipFill>
+        <p:spPr bwMode="auto">
+          <a:xfrm>
+            <a:off x="7924061" y="946141"/>
+            <a:ext cx="910467" cy="1296581"/>
+          </a:xfrm>
+          <a:prstGeom prst="rect">
+            <a:avLst/>
+          </a:prstGeom>
+          <a:noFill/>
+          <a:extLst>
+            <a:ext uri="{909E8E84-426E-40DD-AFC4-6F175D3DCCD1}">
+              <a14:hiddenFill xmlns:a14="http://schemas.microsoft.com/office/drawing/2010/main">
+                <a:solidFill>
+                  <a:srgbClr val="FFFFFF"/>
+                </a:solidFill>
+              </a14:hiddenFill>
+            </a:ext>
+          </a:extLst>
+        </p:spPr>
+      </p:pic>
     </p:spTree>
     <p:extLst>
       <p:ext uri="{BB962C8B-B14F-4D97-AF65-F5344CB8AC3E}">
